--- a/presentation/AIC Presentation-v2.pptx
+++ b/presentation/AIC Presentation-v2.pptx
@@ -3972,7 +3972,7 @@
             <a:fld id="{54AB02A5-4FE5-49D9-9E24-09F23B90C450}" type="datetimeFigureOut">
               <a:rPr lang="en-US" smtClean="0"/>
               <a:pPr/>
-              <a:t>1/26/2014</a:t>
+              <a:t>1/27/2014</a:t>
             </a:fld>
             <a:endParaRPr lang="en-US"/>
           </a:p>
@@ -4287,7 +4287,7 @@
             <a:fld id="{54AB02A5-4FE5-49D9-9E24-09F23B90C450}" type="datetimeFigureOut">
               <a:rPr lang="en-US" smtClean="0"/>
               <a:pPr/>
-              <a:t>1/26/2014</a:t>
+              <a:t>1/27/2014</a:t>
             </a:fld>
             <a:endParaRPr lang="en-US"/>
           </a:p>
@@ -4474,7 +4474,7 @@
             <a:fld id="{54AB02A5-4FE5-49D9-9E24-09F23B90C450}" type="datetimeFigureOut">
               <a:rPr lang="en-US" smtClean="0"/>
               <a:pPr/>
-              <a:t>1/26/2014</a:t>
+              <a:t>1/27/2014</a:t>
             </a:fld>
             <a:endParaRPr lang="en-US"/>
           </a:p>
@@ -4651,7 +4651,7 @@
             <a:fld id="{54AB02A5-4FE5-49D9-9E24-09F23B90C450}" type="datetimeFigureOut">
               <a:rPr lang="en-US" smtClean="0"/>
               <a:pPr/>
-              <a:t>1/26/2014</a:t>
+              <a:t>1/27/2014</a:t>
             </a:fld>
             <a:endParaRPr lang="en-US"/>
           </a:p>
@@ -4921,7 +4921,7 @@
             <a:fld id="{54AB02A5-4FE5-49D9-9E24-09F23B90C450}" type="datetimeFigureOut">
               <a:rPr lang="en-US" smtClean="0"/>
               <a:pPr/>
-              <a:t>1/26/2014</a:t>
+              <a:t>1/27/2014</a:t>
             </a:fld>
             <a:endParaRPr lang="en-US"/>
           </a:p>
@@ -5391,7 +5391,7 @@
             <a:fld id="{54AB02A5-4FE5-49D9-9E24-09F23B90C450}" type="datetimeFigureOut">
               <a:rPr lang="en-US" smtClean="0"/>
               <a:pPr/>
-              <a:t>1/26/2014</a:t>
+              <a:t>1/27/2014</a:t>
             </a:fld>
             <a:endParaRPr lang="en-US"/>
           </a:p>
@@ -5882,7 +5882,7 @@
             <a:fld id="{54AB02A5-4FE5-49D9-9E24-09F23B90C450}" type="datetimeFigureOut">
               <a:rPr lang="en-US" smtClean="0"/>
               <a:pPr/>
-              <a:t>1/26/2014</a:t>
+              <a:t>1/27/2014</a:t>
             </a:fld>
             <a:endParaRPr lang="en-US"/>
           </a:p>
@@ -6010,7 +6010,7 @@
             <a:fld id="{54AB02A5-4FE5-49D9-9E24-09F23B90C450}" type="datetimeFigureOut">
               <a:rPr lang="en-US" smtClean="0"/>
               <a:pPr/>
-              <a:t>1/26/2014</a:t>
+              <a:t>1/27/2014</a:t>
             </a:fld>
             <a:endParaRPr lang="en-US"/>
           </a:p>
@@ -6156,7 +6156,7 @@
             <a:fld id="{54AB02A5-4FE5-49D9-9E24-09F23B90C450}" type="datetimeFigureOut">
               <a:rPr lang="en-US" smtClean="0"/>
               <a:pPr/>
-              <a:t>1/26/2014</a:t>
+              <a:t>1/27/2014</a:t>
             </a:fld>
             <a:endParaRPr lang="en-US"/>
           </a:p>
@@ -6480,7 +6480,7 @@
             <a:fld id="{54AB02A5-4FE5-49D9-9E24-09F23B90C450}" type="datetimeFigureOut">
               <a:rPr lang="en-US" smtClean="0"/>
               <a:pPr/>
-              <a:t>1/26/2014</a:t>
+              <a:t>1/27/2014</a:t>
             </a:fld>
             <a:endParaRPr lang="en-US"/>
           </a:p>
@@ -6616,7 +6616,7 @@
             <a:fld id="{54AB02A5-4FE5-49D9-9E24-09F23B90C450}" type="datetimeFigureOut">
               <a:rPr lang="en-US" smtClean="0"/>
               <a:pPr/>
-              <a:t>1/26/2014</a:t>
+              <a:t>1/27/2014</a:t>
             </a:fld>
             <a:endParaRPr lang="en-US"/>
           </a:p>
@@ -7400,7 +7400,7 @@
             <a:fld id="{54AB02A5-4FE5-49D9-9E24-09F23B90C450}" type="datetimeFigureOut">
               <a:rPr lang="en-US" smtClean="0"/>
               <a:pPr algn="r" eaLnBrk="1" latinLnBrk="0" hangingPunct="1"/>
-              <a:t>1/26/2014</a:t>
+              <a:t>1/27/2014</a:t>
             </a:fld>
             <a:endParaRPr lang="en-US" sz="1200">
               <a:solidFill>
@@ -9013,11 +9013,7 @@
           <a:p>
             <a:r>
               <a:rPr lang="de-AT" dirty="0" err="1" smtClean="0"/>
-              <a:t>r</a:t>
-            </a:r>
-            <a:r>
-              <a:rPr lang="de-AT" dirty="0" err="1" smtClean="0"/>
-              <a:t>elated</a:t>
+              <a:t>related</a:t>
             </a:r>
             <a:endParaRPr lang="de-AT" dirty="0" smtClean="0"/>
           </a:p>
@@ -9517,11 +9513,7 @@
           <a:p>
             <a:r>
               <a:rPr lang="de-AT" dirty="0" err="1" smtClean="0"/>
-              <a:t>r</a:t>
-            </a:r>
-            <a:r>
-              <a:rPr lang="de-AT" dirty="0" err="1" smtClean="0"/>
-              <a:t>ating</a:t>
+              <a:t>rating</a:t>
             </a:r>
             <a:r>
               <a:rPr lang="de-AT" dirty="0" smtClean="0"/>
@@ -9775,20 +9767,21 @@
             <a:pPr algn="ctr"/>
             <a:r>
               <a:rPr lang="de-AT" dirty="0" err="1" smtClean="0"/>
-              <a:t>d</a:t>
-            </a:r>
+              <a:t>date</a:t>
+            </a:r>
+            <a:endParaRPr lang="de-AT" dirty="0" smtClean="0"/>
+          </a:p>
+          <a:p>
+            <a:pPr algn="ctr"/>
             <a:r>
               <a:rPr lang="de-AT" dirty="0" err="1" smtClean="0"/>
-              <a:t>ate</a:t>
+              <a:t>t</a:t>
+            </a:r>
+            <a:r>
+              <a:rPr lang="de-AT" dirty="0" err="1" smtClean="0"/>
+              <a:t>ext</a:t>
             </a:r>
             <a:endParaRPr lang="de-AT" dirty="0" smtClean="0"/>
-          </a:p>
-          <a:p>
-            <a:pPr algn="ctr"/>
-            <a:r>
-              <a:rPr lang="de-AT" dirty="0" smtClean="0"/>
-              <a:t>Text</a:t>
-            </a:r>
           </a:p>
           <a:p>
             <a:pPr algn="ctr"/>
@@ -9939,11 +9932,7 @@
           <a:p>
             <a:r>
               <a:rPr lang="de-AT" dirty="0" smtClean="0"/>
-              <a:t>1</a:t>
-            </a:r>
-            <a:r>
-              <a:rPr lang="de-AT" dirty="0" smtClean="0"/>
-              <a:t>    n</a:t>
+              <a:t>1    n</a:t>
             </a:r>
             <a:endParaRPr lang="de-DE" dirty="0"/>
           </a:p>
@@ -9998,11 +9987,15 @@
             <a:pPr algn="ctr"/>
             <a:r>
               <a:rPr lang="de-AT" dirty="0" err="1" smtClean="0"/>
-              <a:t>i</a:t>
-            </a:r>
+              <a:t>id</a:t>
+            </a:r>
+            <a:endParaRPr lang="de-AT" dirty="0" smtClean="0"/>
+          </a:p>
+          <a:p>
+            <a:pPr algn="ctr"/>
             <a:r>
               <a:rPr lang="de-AT" dirty="0" err="1" smtClean="0"/>
-              <a:t>d</a:t>
+              <a:t>date</a:t>
             </a:r>
             <a:endParaRPr lang="de-AT" dirty="0" smtClean="0"/>
           </a:p>
@@ -10010,23 +10003,7 @@
             <a:pPr algn="ctr"/>
             <a:r>
               <a:rPr lang="de-AT" dirty="0" err="1" smtClean="0"/>
-              <a:t>d</a:t>
-            </a:r>
-            <a:r>
-              <a:rPr lang="de-AT" dirty="0" err="1" smtClean="0"/>
-              <a:t>ate</a:t>
-            </a:r>
-            <a:endParaRPr lang="de-AT" dirty="0" smtClean="0"/>
-          </a:p>
-          <a:p>
-            <a:pPr algn="ctr"/>
-            <a:r>
-              <a:rPr lang="de-AT" dirty="0" err="1" smtClean="0"/>
-              <a:t>n</a:t>
-            </a:r>
-            <a:r>
-              <a:rPr lang="de-AT" dirty="0" err="1" smtClean="0"/>
-              <a:t>ame</a:t>
+              <a:t>name</a:t>
             </a:r>
             <a:endParaRPr lang="de-AT" dirty="0" smtClean="0"/>
           </a:p>
@@ -10107,7 +10084,6 @@
               <a:rPr lang="de-AT" dirty="0" smtClean="0"/>
               <a:t>n</a:t>
             </a:r>
-            <a:endParaRPr lang="de-AT" dirty="0" smtClean="0"/>
           </a:p>
           <a:p>
             <a:r>
@@ -10177,9 +10153,14 @@
           <a:p>
             <a:pPr algn="ctr"/>
             <a:r>
-              <a:rPr lang="de-AT" dirty="0" smtClean="0"/>
-              <a:t>Description</a:t>
-            </a:r>
+              <a:rPr lang="de-AT" dirty="0" err="1" smtClean="0"/>
+              <a:t>d</a:t>
+            </a:r>
+            <a:r>
+              <a:rPr lang="de-AT" dirty="0" err="1" smtClean="0"/>
+              <a:t>escription</a:t>
+            </a:r>
+            <a:endParaRPr lang="de-AT" dirty="0" smtClean="0"/>
           </a:p>
           <a:p>
             <a:pPr algn="ctr"/>
@@ -10363,7 +10344,6 @@
               <a:rPr lang="de-AT" dirty="0" smtClean="0"/>
               <a:t>1</a:t>
             </a:r>
-            <a:endParaRPr lang="de-AT" dirty="0" smtClean="0"/>
           </a:p>
           <a:p>
             <a:r>
@@ -10441,7 +10421,7 @@
           <a:p>
             <a:r>
               <a:rPr lang="de-AT" dirty="0" smtClean="0"/>
-              <a:t>Java </a:t>
+              <a:t>Java/J2EE </a:t>
             </a:r>
             <a:r>
               <a:rPr lang="de-AT" dirty="0" err="1" smtClean="0"/>
@@ -10451,12 +10431,6 @@
           </a:p>
           <a:p>
             <a:r>
-              <a:rPr lang="de-AT" dirty="0" smtClean="0"/>
-              <a:t>J2EE </a:t>
-            </a:r>
-          </a:p>
-          <a:p>
-            <a:r>
               <a:rPr lang="de-AT" dirty="0" err="1" smtClean="0"/>
               <a:t>Tomcat</a:t>
             </a:r>
@@ -10484,11 +10458,11 @@
           <a:p>
             <a:r>
               <a:rPr lang="de-AT" dirty="0" smtClean="0"/>
-              <a:t>Java </a:t>
+              <a:t>JPA </a:t>
             </a:r>
             <a:r>
               <a:rPr lang="de-AT" dirty="0" err="1" smtClean="0"/>
-              <a:t>Persistence</a:t>
+              <a:t>for</a:t>
             </a:r>
             <a:r>
               <a:rPr lang="de-AT" dirty="0" smtClean="0"/>
@@ -10496,7 +10470,7 @@
             </a:r>
             <a:r>
               <a:rPr lang="de-AT" dirty="0" err="1" smtClean="0"/>
-              <a:t>Architecture</a:t>
+              <a:t>database</a:t>
             </a:r>
             <a:r>
               <a:rPr lang="de-AT" dirty="0" smtClean="0"/>
@@ -10504,7 +10478,14 @@
             </a:r>
             <a:r>
               <a:rPr lang="de-AT" dirty="0" err="1" smtClean="0"/>
-              <a:t>for</a:t>
+              <a:t>connectivity</a:t>
+            </a:r>
+            <a:endParaRPr lang="de-AT" dirty="0" smtClean="0"/>
+          </a:p>
+          <a:p>
+            <a:r>
+              <a:rPr lang="de-AT" dirty="0" err="1" smtClean="0"/>
+              <a:t>Eclipselink</a:t>
             </a:r>
             <a:r>
               <a:rPr lang="de-AT" dirty="0" smtClean="0"/>
@@ -10512,7 +10493,17 @@
             </a:r>
             <a:r>
               <a:rPr lang="de-AT" dirty="0" err="1" smtClean="0"/>
-              <a:t>database</a:t>
+              <a:t>as</a:t>
+            </a:r>
+            <a:r>
+              <a:rPr lang="de-AT" dirty="0" smtClean="0"/>
+              <a:t> JPA Provider</a:t>
+            </a:r>
+          </a:p>
+          <a:p>
+            <a:r>
+              <a:rPr lang="de-AT" dirty="0" err="1" smtClean="0"/>
+              <a:t>SQLite</a:t>
             </a:r>
             <a:r>
               <a:rPr lang="de-AT" dirty="0" smtClean="0"/>
@@ -10520,14 +10511,18 @@
             </a:r>
             <a:r>
               <a:rPr lang="de-AT" dirty="0" err="1" smtClean="0"/>
-              <a:t>connectivity</a:t>
+              <a:t>database</a:t>
             </a:r>
             <a:endParaRPr lang="de-AT" dirty="0" smtClean="0"/>
           </a:p>
           <a:p>
             <a:r>
+              <a:rPr lang="de-AT" dirty="0" smtClean="0"/>
+              <a:t>REST style </a:t>
+            </a:r>
+            <a:r>
               <a:rPr lang="de-AT" dirty="0" err="1" smtClean="0"/>
-              <a:t>Eclipselink</a:t>
+              <a:t>webservices</a:t>
             </a:r>
             <a:r>
               <a:rPr lang="de-AT" dirty="0" smtClean="0"/>
@@ -10535,17 +10530,7 @@
             </a:r>
             <a:r>
               <a:rPr lang="de-AT" dirty="0" err="1" smtClean="0"/>
-              <a:t>as</a:t>
-            </a:r>
-            <a:r>
-              <a:rPr lang="de-AT" dirty="0" smtClean="0"/>
-              <a:t> JPA Provider</a:t>
-            </a:r>
-          </a:p>
-          <a:p>
-            <a:r>
-              <a:rPr lang="de-AT" dirty="0" err="1" smtClean="0"/>
-              <a:t>SQLite</a:t>
+              <a:t>between</a:t>
             </a:r>
             <a:r>
               <a:rPr lang="de-AT" dirty="0" smtClean="0"/>
@@ -10553,55 +10538,72 @@
             </a:r>
             <a:r>
               <a:rPr lang="de-AT" dirty="0" err="1" smtClean="0"/>
-              <a:t>database</a:t>
-            </a:r>
-            <a:endParaRPr lang="de-AT" dirty="0" smtClean="0"/>
-          </a:p>
-          <a:p>
+              <a:t>Crowd</a:t>
+            </a:r>
             <a:r>
               <a:rPr lang="de-AT" dirty="0" smtClean="0"/>
-              <a:t>REST </a:t>
+              <a:t>, Mock </a:t>
             </a:r>
             <a:r>
               <a:rPr lang="de-AT" dirty="0" err="1" smtClean="0"/>
-              <a:t>sytel</a:t>
+              <a:t>and</a:t>
             </a:r>
             <a:r>
               <a:rPr lang="de-AT" dirty="0" smtClean="0"/>
               <a:t> </a:t>
             </a:r>
             <a:r>
-              <a:rPr lang="de-AT" dirty="0" err="1" smtClean="0"/>
-              <a:t>webservices</a:t>
-            </a:r>
-            <a:r>
               <a:rPr lang="de-AT" dirty="0" smtClean="0"/>
-              <a:t> </a:t>
-            </a:r>
-            <a:r>
-              <a:rPr lang="de-AT" dirty="0" err="1" smtClean="0"/>
-              <a:t>between</a:t>
-            </a:r>
-            <a:r>
-              <a:rPr lang="de-AT" dirty="0" smtClean="0"/>
-              <a:t> </a:t>
-            </a:r>
-            <a:r>
-              <a:rPr lang="de-AT" dirty="0" err="1" smtClean="0"/>
-              <a:t>Crowd</a:t>
-            </a:r>
-            <a:r>
-              <a:rPr lang="de-AT" dirty="0" smtClean="0"/>
-              <a:t>, Mock </a:t>
-            </a:r>
-            <a:r>
-              <a:rPr lang="de-AT" dirty="0" err="1" smtClean="0"/>
-              <a:t>and</a:t>
-            </a:r>
-            <a:r>
-              <a:rPr lang="de-AT" dirty="0" smtClean="0"/>
-              <a:t> GUIs</a:t>
-            </a:r>
+              <a:t>GUIs</a:t>
+            </a:r>
+          </a:p>
+          <a:p>
+            <a:r>
+              <a:rPr lang="en-US" dirty="0" err="1" smtClean="0">
+                <a:solidFill>
+                  <a:srgbClr val="000000"/>
+                </a:solidFill>
+              </a:rPr>
+              <a:t>AngularJS</a:t>
+            </a:r>
+            <a:r>
+              <a:rPr lang="en-US" dirty="0" smtClean="0">
+                <a:solidFill>
+                  <a:srgbClr val="000000"/>
+                </a:solidFill>
+              </a:rPr>
+              <a:t> (with </a:t>
+            </a:r>
+            <a:r>
+              <a:rPr lang="en-US" dirty="0" err="1" smtClean="0">
+                <a:solidFill>
+                  <a:srgbClr val="000000"/>
+                </a:solidFill>
+              </a:rPr>
+              <a:t>Restangular</a:t>
+            </a:r>
+            <a:r>
+              <a:rPr lang="en-US" dirty="0" smtClean="0">
+                <a:solidFill>
+                  <a:srgbClr val="000000"/>
+                </a:solidFill>
+              </a:rPr>
+              <a:t>) as GUI</a:t>
+            </a:r>
+            <a:endParaRPr lang="en-US" dirty="0" smtClean="0"/>
+          </a:p>
+          <a:p>
+            <a:r>
+              <a:rPr lang="en-US" dirty="0" smtClean="0">
+                <a:solidFill>
+                  <a:srgbClr val="000000"/>
+                </a:solidFill>
+              </a:rPr>
+              <a:t>Twitter-Bootstrap as HTML5 Template</a:t>
+            </a:r>
+            <a:endParaRPr lang="en-US" dirty="0" smtClean="0"/>
+          </a:p>
+          <a:p>
             <a:endParaRPr lang="de-DE" dirty="0"/>
           </a:p>
         </p:txBody>
@@ -10679,19 +10681,7 @@
               <a:rPr lang="de-AT" dirty="0" smtClean="0">
                 <a:sym typeface="Wingdings" pitchFamily="2" charset="2"/>
               </a:rPr>
-              <a:t> </a:t>
-            </a:r>
-            <a:r>
-              <a:rPr lang="de-AT" dirty="0" smtClean="0">
-                <a:sym typeface="Wingdings" pitchFamily="2" charset="2"/>
-              </a:rPr>
-              <a:t>on http://</a:t>
-            </a:r>
-            <a:r>
-              <a:rPr lang="de-AT" dirty="0" smtClean="0">
-                <a:sym typeface="Wingdings" pitchFamily="2" charset="2"/>
-              </a:rPr>
-              <a:t>companytrends-tuvienna.rhcloud.com/crowd</a:t>
+              <a:t> on http://companytrends-tuvienna.rhcloud.com/crowd</a:t>
             </a:r>
           </a:p>
           <a:p>
